--- a/Scrum/Scrum Planning.pptx
+++ b/Scrum/Scrum Planning.pptx
@@ -4012,7 +4012,7 @@
             </a:pPr>
             <a:r>
               <a:rPr lang="en-GB" sz="2400" dirty="0"/>
-              <a:t>There are 3 User Story</a:t>
+              <a:t>There are 3 User Story.</a:t>
             </a:r>
           </a:p>
           <a:p>
@@ -4024,7 +4024,7 @@
             </a:pPr>
             <a:r>
               <a:rPr lang="en-GB" sz="2400" dirty="0"/>
-              <a:t>There are 1 Sprint Per Week</a:t>
+              <a:t>There are 1 Sprint Per Week.</a:t>
             </a:r>
           </a:p>
           <a:p>
@@ -4036,7 +4036,7 @@
             </a:pPr>
             <a:r>
               <a:rPr lang="en-GB" sz="2400" dirty="0"/>
-              <a:t>As per User Story Estimated Completion time of three weeks</a:t>
+              <a:t>As per User Story Estimated Completion time of three weeks.</a:t>
             </a:r>
           </a:p>
           <a:p>
@@ -4048,8 +4048,13 @@
             </a:pPr>
             <a:r>
               <a:rPr lang="en-GB" sz="2400" dirty="0"/>
-              <a:t>Per User Story has Three Sprint</a:t>
-            </a:r>
+              <a:t>Per User Story has </a:t>
+            </a:r>
+            <a:r>
+              <a:rPr lang="en-GB" sz="2400"/>
+              <a:t>Three Sprint…</a:t>
+            </a:r>
+            <a:endParaRPr lang="en-GB" sz="2400" dirty="0"/>
           </a:p>
           <a:p>
             <a:pPr marL="342900" indent="-342900">

--- a/Scrum/Scrum Planning.pptx
+++ b/Scrum/Scrum Planning.pptx
@@ -4036,8 +4036,13 @@
             </a:pPr>
             <a:r>
               <a:rPr lang="en-GB" sz="2400" dirty="0"/>
-              <a:t>As per User Story Estimated Completion time of three weeks.</a:t>
-            </a:r>
+              <a:t>As per User Story Estimated Completion time of </a:t>
+            </a:r>
+            <a:r>
+              <a:rPr lang="en-GB" sz="2400"/>
+              <a:t>three weeks…</a:t>
+            </a:r>
+            <a:endParaRPr lang="en-GB" sz="2400" dirty="0"/>
           </a:p>
           <a:p>
             <a:pPr marL="342900" indent="-342900">
@@ -4048,13 +4053,8 @@
             </a:pPr>
             <a:r>
               <a:rPr lang="en-GB" sz="2400" dirty="0"/>
-              <a:t>Per User Story has </a:t>
-            </a:r>
-            <a:r>
-              <a:rPr lang="en-GB" sz="2400"/>
-              <a:t>Three Sprint…</a:t>
-            </a:r>
-            <a:endParaRPr lang="en-GB" sz="2400" dirty="0"/>
+              <a:t>Per User Story has Three Sprint…</a:t>
+            </a:r>
           </a:p>
           <a:p>
             <a:pPr marL="342900" indent="-342900">
